--- a/Matlab Setup.pptx
+++ b/Matlab Setup.pptx
@@ -7,11 +7,14 @@
   <p:sldIdLst>
     <p:sldId id="256" r:id="rId2"/>
     <p:sldId id="257" r:id="rId3"/>
-    <p:sldId id="258" r:id="rId4"/>
-    <p:sldId id="259" r:id="rId5"/>
-    <p:sldId id="260" r:id="rId6"/>
-    <p:sldId id="261" r:id="rId7"/>
-    <p:sldId id="262" r:id="rId8"/>
+    <p:sldId id="263" r:id="rId4"/>
+    <p:sldId id="264" r:id="rId5"/>
+    <p:sldId id="265" r:id="rId6"/>
+    <p:sldId id="258" r:id="rId7"/>
+    <p:sldId id="259" r:id="rId8"/>
+    <p:sldId id="260" r:id="rId9"/>
+    <p:sldId id="261" r:id="rId10"/>
+    <p:sldId id="262" r:id="rId11"/>
   </p:sldIdLst>
   <p:sldSz cx="12192000" cy="6858000"/>
   <p:notesSz cx="6858000" cy="9144000"/>
@@ -249,7 +252,7 @@
           <a:p>
             <a:fld id="{5C67E8D9-7C64-440D-89AE-E1A00C6EC129}" type="datetimeFigureOut">
               <a:rPr lang="zh-TW" altLang="en-US" smtClean="0"/>
-              <a:t>2017/3/8</a:t>
+              <a:t>2018/8/29</a:t>
             </a:fld>
             <a:endParaRPr lang="zh-TW" altLang="en-US"/>
           </a:p>
@@ -419,7 +422,7 @@
           <a:p>
             <a:fld id="{5C67E8D9-7C64-440D-89AE-E1A00C6EC129}" type="datetimeFigureOut">
               <a:rPr lang="zh-TW" altLang="en-US" smtClean="0"/>
-              <a:t>2017/3/8</a:t>
+              <a:t>2018/8/29</a:t>
             </a:fld>
             <a:endParaRPr lang="zh-TW" altLang="en-US"/>
           </a:p>
@@ -599,7 +602,7 @@
           <a:p>
             <a:fld id="{5C67E8D9-7C64-440D-89AE-E1A00C6EC129}" type="datetimeFigureOut">
               <a:rPr lang="zh-TW" altLang="en-US" smtClean="0"/>
-              <a:t>2017/3/8</a:t>
+              <a:t>2018/8/29</a:t>
             </a:fld>
             <a:endParaRPr lang="zh-TW" altLang="en-US"/>
           </a:p>
@@ -769,7 +772,7 @@
           <a:p>
             <a:fld id="{5C67E8D9-7C64-440D-89AE-E1A00C6EC129}" type="datetimeFigureOut">
               <a:rPr lang="zh-TW" altLang="en-US" smtClean="0"/>
-              <a:t>2017/3/8</a:t>
+              <a:t>2018/8/29</a:t>
             </a:fld>
             <a:endParaRPr lang="zh-TW" altLang="en-US"/>
           </a:p>
@@ -1015,7 +1018,7 @@
           <a:p>
             <a:fld id="{5C67E8D9-7C64-440D-89AE-E1A00C6EC129}" type="datetimeFigureOut">
               <a:rPr lang="zh-TW" altLang="en-US" smtClean="0"/>
-              <a:t>2017/3/8</a:t>
+              <a:t>2018/8/29</a:t>
             </a:fld>
             <a:endParaRPr lang="zh-TW" altLang="en-US"/>
           </a:p>
@@ -1247,7 +1250,7 @@
           <a:p>
             <a:fld id="{5C67E8D9-7C64-440D-89AE-E1A00C6EC129}" type="datetimeFigureOut">
               <a:rPr lang="zh-TW" altLang="en-US" smtClean="0"/>
-              <a:t>2017/3/8</a:t>
+              <a:t>2018/8/29</a:t>
             </a:fld>
             <a:endParaRPr lang="zh-TW" altLang="en-US"/>
           </a:p>
@@ -1614,7 +1617,7 @@
           <a:p>
             <a:fld id="{5C67E8D9-7C64-440D-89AE-E1A00C6EC129}" type="datetimeFigureOut">
               <a:rPr lang="zh-TW" altLang="en-US" smtClean="0"/>
-              <a:t>2017/3/8</a:t>
+              <a:t>2018/8/29</a:t>
             </a:fld>
             <a:endParaRPr lang="zh-TW" altLang="en-US"/>
           </a:p>
@@ -1732,7 +1735,7 @@
           <a:p>
             <a:fld id="{5C67E8D9-7C64-440D-89AE-E1A00C6EC129}" type="datetimeFigureOut">
               <a:rPr lang="zh-TW" altLang="en-US" smtClean="0"/>
-              <a:t>2017/3/8</a:t>
+              <a:t>2018/8/29</a:t>
             </a:fld>
             <a:endParaRPr lang="zh-TW" altLang="en-US"/>
           </a:p>
@@ -1827,7 +1830,7 @@
           <a:p>
             <a:fld id="{5C67E8D9-7C64-440D-89AE-E1A00C6EC129}" type="datetimeFigureOut">
               <a:rPr lang="zh-TW" altLang="en-US" smtClean="0"/>
-              <a:t>2017/3/8</a:t>
+              <a:t>2018/8/29</a:t>
             </a:fld>
             <a:endParaRPr lang="zh-TW" altLang="en-US"/>
           </a:p>
@@ -2104,7 +2107,7 @@
           <a:p>
             <a:fld id="{5C67E8D9-7C64-440D-89AE-E1A00C6EC129}" type="datetimeFigureOut">
               <a:rPr lang="zh-TW" altLang="en-US" smtClean="0"/>
-              <a:t>2017/3/8</a:t>
+              <a:t>2018/8/29</a:t>
             </a:fld>
             <a:endParaRPr lang="zh-TW" altLang="en-US"/>
           </a:p>
@@ -2357,7 +2360,7 @@
           <a:p>
             <a:fld id="{5C67E8D9-7C64-440D-89AE-E1A00C6EC129}" type="datetimeFigureOut">
               <a:rPr lang="zh-TW" altLang="en-US" smtClean="0"/>
-              <a:t>2017/3/8</a:t>
+              <a:t>2018/8/29</a:t>
             </a:fld>
             <a:endParaRPr lang="zh-TW" altLang="en-US"/>
           </a:p>
@@ -2570,7 +2573,7 @@
           <a:p>
             <a:fld id="{5C67E8D9-7C64-440D-89AE-E1A00C6EC129}" type="datetimeFigureOut">
               <a:rPr lang="zh-TW" altLang="en-US" smtClean="0"/>
-              <a:t>2017/3/8</a:t>
+              <a:t>2018/8/29</a:t>
             </a:fld>
             <a:endParaRPr lang="zh-TW" altLang="en-US"/>
           </a:p>
@@ -3014,34 +3017,43 @@
           <a:lstStyle/>
           <a:p>
             <a:r>
+              <a:rPr lang="en-US" altLang="zh-TW" dirty="0" smtClean="0"/>
+              <a:t>Aug 29</a:t>
+            </a:r>
+            <a:r>
+              <a:rPr lang="en-US" altLang="zh-TW" baseline="30000" dirty="0" smtClean="0"/>
+              <a:t>th</a:t>
+            </a:r>
+            <a:r>
+              <a:rPr lang="en-US" altLang="zh-TW" dirty="0" smtClean="0"/>
+              <a:t>, 2018</a:t>
+            </a:r>
+            <a:endParaRPr lang="en-US" altLang="zh-TW" dirty="0" smtClean="0"/>
+          </a:p>
+          <a:p>
+            <a:r>
+              <a:rPr lang="en-US" altLang="zh-TW" dirty="0" smtClean="0"/>
+              <a:t>Yu-W</a:t>
+            </a:r>
+            <a:r>
+              <a:rPr lang="en-US" altLang="zh-TW" dirty="0" smtClean="0"/>
+              <a:t>ei</a:t>
+            </a:r>
+            <a:r>
+              <a:rPr lang="en-US" altLang="zh-TW" dirty="0" smtClean="0"/>
+              <a:t> Chen</a:t>
+            </a:r>
+          </a:p>
+          <a:p>
+            <a:r>
               <a:rPr lang="en-US" altLang="zh-TW" dirty="0" smtClean="0">
-                <a:solidFill>
-                  <a:srgbClr val="FF0000"/>
-                </a:solidFill>
+                <a:hlinkClick r:id="rId2"/>
               </a:rPr>
-              <a:t>March 8</a:t>
-            </a:r>
-            <a:r>
-              <a:rPr lang="en-US" altLang="zh-TW" baseline="30000" dirty="0" smtClean="0">
-                <a:solidFill>
-                  <a:srgbClr val="FF0000"/>
-                </a:solidFill>
-              </a:rPr>
-              <a:t>th</a:t>
+              <a:t>yuweiichen@gmail.com</a:t>
             </a:r>
             <a:r>
               <a:rPr lang="en-US" altLang="zh-TW" dirty="0" smtClean="0"/>
-              <a:t>, </a:t>
-            </a:r>
-            <a:r>
-              <a:rPr lang="en-US" altLang="zh-TW" dirty="0" smtClean="0"/>
-              <a:t>2017</a:t>
-            </a:r>
-          </a:p>
-          <a:p>
-            <a:r>
-              <a:rPr lang="en-US" altLang="zh-TW" dirty="0" smtClean="0"/>
-              <a:t>Y.W. Chen</a:t>
+              <a:t> </a:t>
             </a:r>
             <a:endParaRPr lang="zh-TW" altLang="en-US" dirty="0"/>
           </a:p>
@@ -3051,6 +3063,181 @@
     <p:extLst>
       <p:ext uri="{BB962C8B-B14F-4D97-AF65-F5344CB8AC3E}">
         <p14:creationId xmlns:p14="http://schemas.microsoft.com/office/powerpoint/2010/main" val="4086185720"/>
+      </p:ext>
+    </p:extLst>
+  </p:cSld>
+  <p:clrMapOvr>
+    <a:masterClrMapping/>
+  </p:clrMapOvr>
+  <p:timing>
+    <p:tnLst>
+      <p:par>
+        <p:cTn id="1" dur="indefinite" restart="never" nodeType="tmRoot"/>
+      </p:par>
+    </p:tnLst>
+  </p:timing>
+</p:sld>
+</file>
+
+<file path=ppt/slides/slide10.xml><?xml version="1.0" encoding="utf-8"?>
+<p:sld xmlns:a="http://schemas.openxmlformats.org/drawingml/2006/main" xmlns:r="http://schemas.openxmlformats.org/officeDocument/2006/relationships" xmlns:p="http://schemas.openxmlformats.org/presentationml/2006/main">
+  <p:cSld>
+    <p:spTree>
+      <p:nvGrpSpPr>
+        <p:cNvPr id="1" name=""/>
+        <p:cNvGrpSpPr/>
+        <p:nvPr/>
+      </p:nvGrpSpPr>
+      <p:grpSpPr>
+        <a:xfrm>
+          <a:off x="0" y="0"/>
+          <a:ext cx="0" cy="0"/>
+          <a:chOff x="0" y="0"/>
+          <a:chExt cx="0" cy="0"/>
+        </a:xfrm>
+      </p:grpSpPr>
+      <p:sp>
+        <p:nvSpPr>
+          <p:cNvPr id="2" name="標題 1"/>
+          <p:cNvSpPr>
+            <a:spLocks noGrp="1"/>
+          </p:cNvSpPr>
+          <p:nvPr>
+            <p:ph type="title"/>
+          </p:nvPr>
+        </p:nvSpPr>
+        <p:spPr/>
+        <p:txBody>
+          <a:bodyPr/>
+          <a:lstStyle/>
+          <a:p>
+            <a:r>
+              <a:rPr lang="en-US" altLang="zh-TW" dirty="0" smtClean="0"/>
+              <a:t>JavaRobot Explanation </a:t>
+            </a:r>
+            <a:endParaRPr lang="zh-TW" altLang="en-US" b="1" dirty="0"/>
+          </a:p>
+        </p:txBody>
+      </p:sp>
+      <p:sp>
+        <p:nvSpPr>
+          <p:cNvPr id="3" name="內容版面配置區 2"/>
+          <p:cNvSpPr>
+            <a:spLocks noGrp="1"/>
+          </p:cNvSpPr>
+          <p:nvPr>
+            <p:ph idx="1"/>
+          </p:nvPr>
+        </p:nvSpPr>
+        <p:spPr/>
+        <p:txBody>
+          <a:bodyPr>
+            <a:normAutofit/>
+          </a:bodyPr>
+          <a:lstStyle/>
+          <a:p>
+            <a:pPr marL="514350" indent="-514350">
+              <a:buFont typeface="+mj-lt"/>
+              <a:buAutoNum type="arabicPeriod"/>
+            </a:pPr>
+            <a:r>
+              <a:rPr lang="en-US" altLang="zh-TW" b="1" dirty="0" smtClean="0"/>
+              <a:t>[JavaRobot, Tool, RefPosRMatrix] = JavaRobotRead();</a:t>
+            </a:r>
+          </a:p>
+          <a:p>
+            <a:pPr lvl="1"/>
+            <a:r>
+              <a:rPr lang="en-US" altLang="zh-TW" dirty="0"/>
+              <a:t>JavaRobot is an object representing the Robot, which be used in every function below.</a:t>
+            </a:r>
+          </a:p>
+          <a:p>
+            <a:pPr lvl="1"/>
+            <a:r>
+              <a:rPr lang="en-US" altLang="zh-TW" dirty="0"/>
+              <a:t>Tool </a:t>
+            </a:r>
+            <a:r>
+              <a:rPr lang="en-US" altLang="zh-TW" dirty="0" smtClean="0"/>
+              <a:t>store the original position data</a:t>
+            </a:r>
+          </a:p>
+          <a:p>
+            <a:pPr lvl="1"/>
+            <a:r>
+              <a:rPr lang="en-US" altLang="zh-TW" dirty="0" smtClean="0"/>
+              <a:t>RefPosRMatrix </a:t>
+            </a:r>
+            <a:r>
+              <a:rPr lang="en-US" altLang="zh-TW" dirty="0" smtClean="0">
+                <a:sym typeface="Wingdings" panose="05000000000000000000" pitchFamily="2" charset="2"/>
+              </a:rPr>
+              <a:t> Reference Position Rotational Matrix</a:t>
+            </a:r>
+            <a:endParaRPr lang="en-US" altLang="zh-TW" dirty="0" smtClean="0"/>
+          </a:p>
+          <a:p>
+            <a:pPr marL="514350" indent="-514350">
+              <a:buFont typeface="+mj-lt"/>
+              <a:buAutoNum type="arabicPeriod"/>
+            </a:pPr>
+            <a:r>
+              <a:rPr lang="en-US" altLang="zh-TW" b="1" dirty="0" smtClean="0"/>
+              <a:t>mThread =  JavaRobotMove(Roll, Pitch, Yaw, JavaRobot, Tool, RefPosRMatrix)</a:t>
+            </a:r>
+          </a:p>
+          <a:p>
+            <a:pPr marL="800100" lvl="2" indent="-342900">
+              <a:spcBef>
+                <a:spcPts val="1000"/>
+              </a:spcBef>
+            </a:pPr>
+            <a:r>
+              <a:rPr lang="en-US" altLang="zh-TW" dirty="0" smtClean="0"/>
+              <a:t>mThread means the thread which will make sure the Robot’s moved to the target position</a:t>
+            </a:r>
+          </a:p>
+          <a:p>
+            <a:pPr marL="514350" indent="-514350">
+              <a:buFont typeface="+mj-lt"/>
+              <a:buAutoNum type="arabicPeriod"/>
+            </a:pPr>
+            <a:r>
+              <a:rPr lang="en-US" altLang="zh-TW" b="1" dirty="0" smtClean="0"/>
+              <a:t>flag = mThread.</a:t>
+            </a:r>
+            <a:r>
+              <a:rPr lang="en-US" altLang="zh-TW" b="1" dirty="0"/>
+              <a:t> </a:t>
+            </a:r>
+            <a:r>
+              <a:rPr lang="en-US" altLang="zh-TW" b="1" dirty="0" err="1" smtClean="0"/>
+              <a:t>isRobotMoveFinished</a:t>
+            </a:r>
+            <a:r>
+              <a:rPr lang="en-US" altLang="zh-TW" b="1" dirty="0" smtClean="0"/>
+              <a:t>()</a:t>
+            </a:r>
+          </a:p>
+          <a:p>
+            <a:pPr lvl="1"/>
+            <a:r>
+              <a:rPr lang="en-US" altLang="zh-TW" dirty="0"/>
+              <a:t> </a:t>
+            </a:r>
+            <a:r>
+              <a:rPr lang="en-US" altLang="zh-TW" dirty="0" smtClean="0"/>
+              <a:t>flag of Boolean 0 -&gt; false(Not yet)/ 1 -&gt; true(Done!)</a:t>
+            </a:r>
+            <a:endParaRPr lang="en-US" altLang="zh-TW" dirty="0"/>
+          </a:p>
+        </p:txBody>
+      </p:sp>
+    </p:spTree>
+    <p:extLst>
+      <p:ext uri="{BB962C8B-B14F-4D97-AF65-F5344CB8AC3E}">
+        <p14:creationId xmlns:p14="http://schemas.microsoft.com/office/powerpoint/2010/main" val="2018390748"/>
       </p:ext>
     </p:extLst>
   </p:cSld>
@@ -3124,21 +3311,45 @@
           <a:p>
             <a:r>
               <a:rPr lang="en-US" altLang="zh-TW" dirty="0" smtClean="0"/>
-              <a:t>Matlab Environment setting </a:t>
-            </a:r>
-          </a:p>
-          <a:p>
+              <a:t>Pre-requires</a:t>
+            </a:r>
+          </a:p>
+          <a:p>
+            <a:r>
+              <a:rPr lang="en-US" altLang="zh-TW" dirty="0" err="1" smtClean="0"/>
+              <a:t>Matlab</a:t>
+            </a:r>
             <a:r>
               <a:rPr lang="en-US" altLang="zh-TW" dirty="0" smtClean="0"/>
-              <a:t>JavaRobot Explanation </a:t>
-            </a:r>
-          </a:p>
-          <a:p>
+              <a:t> </a:t>
+            </a:r>
             <a:r>
               <a:rPr lang="en-US" altLang="zh-TW" dirty="0" smtClean="0"/>
-              <a:t>Issue Report</a:t>
-            </a:r>
-            <a:endParaRPr lang="zh-TW" altLang="en-US" dirty="0"/>
+              <a:t>Environment setting </a:t>
+            </a:r>
+          </a:p>
+          <a:p>
+            <a:r>
+              <a:rPr lang="en-US" altLang="zh-TW" dirty="0" err="1" smtClean="0"/>
+              <a:t>JavaRobot</a:t>
+            </a:r>
+            <a:r>
+              <a:rPr lang="en-US" altLang="zh-TW" dirty="0" smtClean="0"/>
+              <a:t> </a:t>
+            </a:r>
+            <a:r>
+              <a:rPr lang="en-US" altLang="zh-TW" dirty="0" smtClean="0"/>
+              <a:t>API</a:t>
+            </a:r>
+            <a:r>
+              <a:rPr lang="zh-TW" altLang="en-US" dirty="0" smtClean="0"/>
+              <a:t> </a:t>
+            </a:r>
+            <a:r>
+              <a:rPr lang="en-US" altLang="zh-TW" dirty="0" smtClean="0"/>
+              <a:t>Explanation </a:t>
+            </a:r>
+            <a:endParaRPr lang="en-US" altLang="zh-TW" dirty="0" smtClean="0"/>
           </a:p>
         </p:txBody>
       </p:sp>
@@ -3181,6 +3392,385 @@
       </p:grpSpPr>
       <p:sp>
         <p:nvSpPr>
+          <p:cNvPr id="2" name="Title 1"/>
+          <p:cNvSpPr>
+            <a:spLocks noGrp="1"/>
+          </p:cNvSpPr>
+          <p:nvPr>
+            <p:ph type="title"/>
+          </p:nvPr>
+        </p:nvSpPr>
+        <p:spPr/>
+        <p:txBody>
+          <a:bodyPr/>
+          <a:lstStyle/>
+          <a:p>
+            <a:r>
+              <a:rPr lang="en-US" altLang="zh-TW" dirty="0"/>
+              <a:t>Pre-requires</a:t>
+            </a:r>
+            <a:r>
+              <a:rPr lang="en-US" dirty="0" smtClean="0"/>
+              <a:t> </a:t>
+            </a:r>
+            <a:endParaRPr lang="en-US" dirty="0"/>
+          </a:p>
+        </p:txBody>
+      </p:sp>
+      <p:sp>
+        <p:nvSpPr>
+          <p:cNvPr id="3" name="Content Placeholder 2"/>
+          <p:cNvSpPr>
+            <a:spLocks noGrp="1"/>
+          </p:cNvSpPr>
+          <p:nvPr>
+            <p:ph idx="1"/>
+          </p:nvPr>
+        </p:nvSpPr>
+        <p:spPr/>
+        <p:txBody>
+          <a:bodyPr/>
+          <a:lstStyle/>
+          <a:p>
+            <a:r>
+              <a:rPr lang="en-US" dirty="0" smtClean="0"/>
+              <a:t>Download Eclipse IDE for Java </a:t>
+            </a:r>
+            <a:r>
+              <a:rPr lang="en-US" dirty="0" smtClean="0">
+                <a:hlinkClick r:id="rId2"/>
+              </a:rPr>
+              <a:t>https</a:t>
+            </a:r>
+            <a:r>
+              <a:rPr lang="en-US" dirty="0">
+                <a:hlinkClick r:id="rId2"/>
+              </a:rPr>
+              <a:t>://www.eclipse.org/downloads/packages</a:t>
+            </a:r>
+            <a:r>
+              <a:rPr lang="en-US" dirty="0" smtClean="0">
+                <a:hlinkClick r:id="rId2"/>
+              </a:rPr>
+              <a:t>/</a:t>
+            </a:r>
+            <a:r>
+              <a:rPr lang="en-US" dirty="0" smtClean="0"/>
+              <a:t> </a:t>
+            </a:r>
+          </a:p>
+          <a:p>
+            <a:r>
+              <a:rPr lang="en-US" dirty="0" smtClean="0"/>
+              <a:t>Clone the project </a:t>
+            </a:r>
+            <a:r>
+              <a:rPr lang="en-US" dirty="0"/>
+              <a:t>on Github </a:t>
+            </a:r>
+            <a:r>
+              <a:rPr lang="en-US" dirty="0">
+                <a:hlinkClick r:id="rId3"/>
+              </a:rPr>
+              <a:t>https://</a:t>
+            </a:r>
+            <a:r>
+              <a:rPr lang="en-US" dirty="0" smtClean="0">
+                <a:hlinkClick r:id="rId3"/>
+              </a:rPr>
+              <a:t>github.com/yuweichen1008/JavaRobot</a:t>
+            </a:r>
+            <a:r>
+              <a:rPr lang="en-US" dirty="0" smtClean="0"/>
+              <a:t> </a:t>
+            </a:r>
+          </a:p>
+          <a:p>
+            <a:r>
+              <a:rPr lang="en-US" altLang="zh-TW" dirty="0" smtClean="0"/>
+              <a:t>Download the JDK at least version 8_u121 or </a:t>
+            </a:r>
+            <a:r>
+              <a:rPr lang="en-US" altLang="zh-TW" dirty="0"/>
+              <a:t>any version newer </a:t>
+            </a:r>
+            <a:r>
+              <a:rPr lang="en-US" altLang="zh-TW" dirty="0">
+                <a:hlinkClick r:id="rId4"/>
+              </a:rPr>
+              <a:t>http://</a:t>
+            </a:r>
+            <a:r>
+              <a:rPr lang="en-US" altLang="zh-TW" dirty="0" smtClean="0">
+                <a:hlinkClick r:id="rId4"/>
+              </a:rPr>
+              <a:t>www.oracle.com/technetwork/java/javase/downloads/jdk8-downloads-2133151.html</a:t>
+            </a:r>
+            <a:r>
+              <a:rPr lang="en-US" altLang="zh-TW" dirty="0" smtClean="0"/>
+              <a:t> </a:t>
+            </a:r>
+          </a:p>
+          <a:p>
+            <a:r>
+              <a:rPr lang="en-US" altLang="zh-TW" dirty="0" smtClean="0"/>
+              <a:t>(Optional) Install the </a:t>
+            </a:r>
+            <a:r>
+              <a:rPr lang="en-US" altLang="zh-TW" dirty="0" err="1" smtClean="0"/>
+              <a:t>Matlab</a:t>
+            </a:r>
+            <a:r>
+              <a:rPr lang="en-US" altLang="zh-TW" dirty="0" smtClean="0"/>
+              <a:t> (you can find the install on NCTU FTP, but this is optional)</a:t>
+            </a:r>
+            <a:endParaRPr lang="en-US" dirty="0" smtClean="0"/>
+          </a:p>
+          <a:p>
+            <a:endParaRPr lang="en-US" dirty="0"/>
+          </a:p>
+        </p:txBody>
+      </p:sp>
+    </p:spTree>
+    <p:extLst>
+      <p:ext uri="{BB962C8B-B14F-4D97-AF65-F5344CB8AC3E}">
+        <p14:creationId xmlns:p14="http://schemas.microsoft.com/office/powerpoint/2010/main" val="3918875113"/>
+      </p:ext>
+    </p:extLst>
+  </p:cSld>
+  <p:clrMapOvr>
+    <a:masterClrMapping/>
+  </p:clrMapOvr>
+</p:sld>
+</file>
+
+<file path=ppt/slides/slide4.xml><?xml version="1.0" encoding="utf-8"?>
+<p:sld xmlns:a="http://schemas.openxmlformats.org/drawingml/2006/main" xmlns:r="http://schemas.openxmlformats.org/officeDocument/2006/relationships" xmlns:p="http://schemas.openxmlformats.org/presentationml/2006/main">
+  <p:cSld>
+    <p:spTree>
+      <p:nvGrpSpPr>
+        <p:cNvPr id="1" name=""/>
+        <p:cNvGrpSpPr/>
+        <p:nvPr/>
+      </p:nvGrpSpPr>
+      <p:grpSpPr>
+        <a:xfrm>
+          <a:off x="0" y="0"/>
+          <a:ext cx="0" cy="0"/>
+          <a:chOff x="0" y="0"/>
+          <a:chExt cx="0" cy="0"/>
+        </a:xfrm>
+      </p:grpSpPr>
+      <p:sp>
+        <p:nvSpPr>
+          <p:cNvPr id="2" name="Title 1"/>
+          <p:cNvSpPr>
+            <a:spLocks noGrp="1"/>
+          </p:cNvSpPr>
+          <p:nvPr>
+            <p:ph type="title"/>
+          </p:nvPr>
+        </p:nvSpPr>
+        <p:spPr/>
+        <p:txBody>
+          <a:bodyPr/>
+          <a:lstStyle/>
+          <a:p>
+            <a:r>
+              <a:rPr lang="en-US" dirty="0" smtClean="0"/>
+              <a:t>Java JDK download</a:t>
+            </a:r>
+            <a:endParaRPr lang="en-US" dirty="0"/>
+          </a:p>
+        </p:txBody>
+      </p:sp>
+      <p:pic>
+        <p:nvPicPr>
+          <p:cNvPr id="4" name="Content Placeholder 3"/>
+          <p:cNvPicPr>
+            <a:picLocks noGrp="1" noChangeAspect="1"/>
+          </p:cNvPicPr>
+          <p:nvPr>
+            <p:ph idx="1"/>
+          </p:nvPr>
+        </p:nvPicPr>
+        <p:blipFill>
+          <a:blip r:embed="rId2"/>
+          <a:stretch>
+            <a:fillRect/>
+          </a:stretch>
+        </p:blipFill>
+        <p:spPr>
+          <a:xfrm>
+            <a:off x="2517721" y="1690688"/>
+            <a:ext cx="6529539" cy="4351338"/>
+          </a:xfrm>
+          <a:prstGeom prst="rect">
+            <a:avLst/>
+          </a:prstGeom>
+        </p:spPr>
+      </p:pic>
+      <p:sp>
+        <p:nvSpPr>
+          <p:cNvPr id="5" name="Rectangle 4"/>
+          <p:cNvSpPr/>
+          <p:nvPr/>
+        </p:nvSpPr>
+        <p:spPr>
+          <a:xfrm>
+            <a:off x="1820707" y="6220506"/>
+            <a:ext cx="9454716" cy="369332"/>
+          </a:xfrm>
+          <a:prstGeom prst="rect">
+            <a:avLst/>
+          </a:prstGeom>
+        </p:spPr>
+        <p:txBody>
+          <a:bodyPr wrap="square">
+            <a:spAutoFit/>
+          </a:bodyPr>
+          <a:lstStyle/>
+          <a:p>
+            <a:r>
+              <a:rPr lang="en-US" dirty="0">
+                <a:hlinkClick r:id="rId3"/>
+              </a:rPr>
+              <a:t>http://</a:t>
+            </a:r>
+            <a:r>
+              <a:rPr lang="en-US" dirty="0" smtClean="0">
+                <a:hlinkClick r:id="rId3"/>
+              </a:rPr>
+              <a:t>www.oracle.com/technetwork/java/javase/downloads/jdk8-downloads-2133151.html</a:t>
+            </a:r>
+            <a:r>
+              <a:rPr lang="en-US" dirty="0" smtClean="0"/>
+              <a:t> </a:t>
+            </a:r>
+            <a:endParaRPr lang="en-US" dirty="0"/>
+          </a:p>
+        </p:txBody>
+      </p:sp>
+    </p:spTree>
+    <p:extLst>
+      <p:ext uri="{BB962C8B-B14F-4D97-AF65-F5344CB8AC3E}">
+        <p14:creationId xmlns:p14="http://schemas.microsoft.com/office/powerpoint/2010/main" val="393441092"/>
+      </p:ext>
+    </p:extLst>
+  </p:cSld>
+  <p:clrMapOvr>
+    <a:masterClrMapping/>
+  </p:clrMapOvr>
+</p:sld>
+</file>
+
+<file path=ppt/slides/slide5.xml><?xml version="1.0" encoding="utf-8"?>
+<p:sld xmlns:a="http://schemas.openxmlformats.org/drawingml/2006/main" xmlns:r="http://schemas.openxmlformats.org/officeDocument/2006/relationships" xmlns:p="http://schemas.openxmlformats.org/presentationml/2006/main">
+  <p:cSld>
+    <p:spTree>
+      <p:nvGrpSpPr>
+        <p:cNvPr id="1" name=""/>
+        <p:cNvGrpSpPr/>
+        <p:nvPr/>
+      </p:nvGrpSpPr>
+      <p:grpSpPr>
+        <a:xfrm>
+          <a:off x="0" y="0"/>
+          <a:ext cx="0" cy="0"/>
+          <a:chOff x="0" y="0"/>
+          <a:chExt cx="0" cy="0"/>
+        </a:xfrm>
+      </p:grpSpPr>
+      <p:sp>
+        <p:nvSpPr>
+          <p:cNvPr id="4" name="Title 3"/>
+          <p:cNvSpPr>
+            <a:spLocks noGrp="1"/>
+          </p:cNvSpPr>
+          <p:nvPr>
+            <p:ph type="title"/>
+          </p:nvPr>
+        </p:nvSpPr>
+        <p:spPr/>
+        <p:txBody>
+          <a:bodyPr/>
+          <a:lstStyle/>
+          <a:p>
+            <a:r>
+              <a:rPr lang="en-US" altLang="zh-TW" dirty="0" err="1" smtClean="0"/>
+              <a:t>Matlab</a:t>
+            </a:r>
+            <a:r>
+              <a:rPr lang="en-US" altLang="zh-TW" dirty="0" smtClean="0"/>
+              <a:t> Environment Setup</a:t>
+            </a:r>
+            <a:endParaRPr lang="en-US" dirty="0"/>
+          </a:p>
+        </p:txBody>
+      </p:sp>
+      <p:sp>
+        <p:nvSpPr>
+          <p:cNvPr id="5" name="Text Placeholder 4"/>
+          <p:cNvSpPr>
+            <a:spLocks noGrp="1"/>
+          </p:cNvSpPr>
+          <p:nvPr>
+            <p:ph type="body" idx="1"/>
+          </p:nvPr>
+        </p:nvSpPr>
+        <p:spPr/>
+        <p:txBody>
+          <a:bodyPr/>
+          <a:lstStyle/>
+          <a:p>
+            <a:r>
+              <a:rPr lang="en-US" dirty="0" smtClean="0"/>
+              <a:t>For the Windows 8, 10 environment, </a:t>
+            </a:r>
+            <a:r>
+              <a:rPr lang="en-US" dirty="0" err="1" smtClean="0"/>
+              <a:t>JavaRobot</a:t>
+            </a:r>
+            <a:r>
+              <a:rPr lang="en-US" dirty="0" smtClean="0"/>
+              <a:t> used and tested</a:t>
+            </a:r>
+            <a:endParaRPr lang="en-US" dirty="0"/>
+          </a:p>
+        </p:txBody>
+      </p:sp>
+    </p:spTree>
+    <p:extLst>
+      <p:ext uri="{BB962C8B-B14F-4D97-AF65-F5344CB8AC3E}">
+        <p14:creationId xmlns:p14="http://schemas.microsoft.com/office/powerpoint/2010/main" val="2462601045"/>
+      </p:ext>
+    </p:extLst>
+  </p:cSld>
+  <p:clrMapOvr>
+    <a:masterClrMapping/>
+  </p:clrMapOvr>
+</p:sld>
+</file>
+
+<file path=ppt/slides/slide6.xml><?xml version="1.0" encoding="utf-8"?>
+<p:sld xmlns:a="http://schemas.openxmlformats.org/drawingml/2006/main" xmlns:r="http://schemas.openxmlformats.org/officeDocument/2006/relationships" xmlns:p="http://schemas.openxmlformats.org/presentationml/2006/main">
+  <p:cSld>
+    <p:spTree>
+      <p:nvGrpSpPr>
+        <p:cNvPr id="1" name=""/>
+        <p:cNvGrpSpPr/>
+        <p:nvPr/>
+      </p:nvGrpSpPr>
+      <p:grpSpPr>
+        <a:xfrm>
+          <a:off x="0" y="0"/>
+          <a:ext cx="0" cy="0"/>
+          <a:chOff x="0" y="0"/>
+          <a:chExt cx="0" cy="0"/>
+        </a:xfrm>
+      </p:grpSpPr>
+      <p:sp>
+        <p:nvSpPr>
           <p:cNvPr id="2" name="標題 1"/>
           <p:cNvSpPr>
             <a:spLocks noGrp="1"/>
@@ -3330,13 +3920,8 @@
             </a:pPr>
             <a:r>
               <a:rPr lang="en-US" altLang="zh-TW" sz="2200" dirty="0" smtClean="0"/>
-              <a:t>Current computer is based on x64 structure, make sure you’ve downloaded the right </a:t>
-            </a:r>
-            <a:r>
-              <a:rPr lang="en-US" altLang="zh-TW" sz="2200" dirty="0" err="1" smtClean="0"/>
-              <a:t>file!s</a:t>
-            </a:r>
-            <a:endParaRPr lang="en-US" altLang="zh-TW" sz="2200" dirty="0" smtClean="0"/>
+              <a:t>Current computer is based on x64 structure, make sure you’ve downloaded the right files</a:t>
+            </a:r>
           </a:p>
           <a:p>
             <a:pPr marL="457200" lvl="1" indent="0">
@@ -3366,7 +3951,7 @@
 </p:sld>
 </file>
 
-<file path=ppt/slides/slide4.xml><?xml version="1.0" encoding="utf-8"?>
+<file path=ppt/slides/slide7.xml><?xml version="1.0" encoding="utf-8"?>
 <p:sld xmlns:a="http://schemas.openxmlformats.org/drawingml/2006/main" xmlns:r="http://schemas.openxmlformats.org/officeDocument/2006/relationships" xmlns:p="http://schemas.openxmlformats.org/presentationml/2006/main">
   <p:cSld>
     <p:spTree>
@@ -3542,7 +4127,7 @@
 </p:sld>
 </file>
 
-<file path=ppt/slides/slide5.xml><?xml version="1.0" encoding="utf-8"?>
+<file path=ppt/slides/slide8.xml><?xml version="1.0" encoding="utf-8"?>
 <p:sld xmlns:a="http://schemas.openxmlformats.org/drawingml/2006/main" xmlns:r="http://schemas.openxmlformats.org/officeDocument/2006/relationships" xmlns:p="http://schemas.openxmlformats.org/presentationml/2006/main">
   <p:cSld>
     <p:spTree>
@@ -3721,7 +4306,7 @@
 </p:sld>
 </file>
 
-<file path=ppt/slides/slide6.xml><?xml version="1.0" encoding="utf-8"?>
+<file path=ppt/slides/slide9.xml><?xml version="1.0" encoding="utf-8"?>
 <p:sld xmlns:a="http://schemas.openxmlformats.org/drawingml/2006/main" xmlns:r="http://schemas.openxmlformats.org/officeDocument/2006/relationships" xmlns:p="http://schemas.openxmlformats.org/presentationml/2006/main">
   <p:cSld>
     <p:spTree>
@@ -3965,201 +4550,6 @@
     <p:extLst>
       <p:ext uri="{BB962C8B-B14F-4D97-AF65-F5344CB8AC3E}">
         <p14:creationId xmlns:p14="http://schemas.microsoft.com/office/powerpoint/2010/main" val="3930169769"/>
-      </p:ext>
-    </p:extLst>
-  </p:cSld>
-  <p:clrMapOvr>
-    <a:masterClrMapping/>
-  </p:clrMapOvr>
-  <p:timing>
-    <p:tnLst>
-      <p:par>
-        <p:cTn id="1" dur="indefinite" restart="never" nodeType="tmRoot"/>
-      </p:par>
-    </p:tnLst>
-  </p:timing>
-</p:sld>
-</file>
-
-<file path=ppt/slides/slide7.xml><?xml version="1.0" encoding="utf-8"?>
-<p:sld xmlns:a="http://schemas.openxmlformats.org/drawingml/2006/main" xmlns:r="http://schemas.openxmlformats.org/officeDocument/2006/relationships" xmlns:p="http://schemas.openxmlformats.org/presentationml/2006/main">
-  <p:cSld>
-    <p:spTree>
-      <p:nvGrpSpPr>
-        <p:cNvPr id="1" name=""/>
-        <p:cNvGrpSpPr/>
-        <p:nvPr/>
-      </p:nvGrpSpPr>
-      <p:grpSpPr>
-        <a:xfrm>
-          <a:off x="0" y="0"/>
-          <a:ext cx="0" cy="0"/>
-          <a:chOff x="0" y="0"/>
-          <a:chExt cx="0" cy="0"/>
-        </a:xfrm>
-      </p:grpSpPr>
-      <p:sp>
-        <p:nvSpPr>
-          <p:cNvPr id="2" name="標題 1"/>
-          <p:cNvSpPr>
-            <a:spLocks noGrp="1"/>
-          </p:cNvSpPr>
-          <p:nvPr>
-            <p:ph type="title"/>
-          </p:nvPr>
-        </p:nvSpPr>
-        <p:spPr/>
-        <p:txBody>
-          <a:bodyPr/>
-          <a:lstStyle/>
-          <a:p>
-            <a:r>
-              <a:rPr lang="en-US" altLang="zh-TW" dirty="0" smtClean="0"/>
-              <a:t>JavaRobot Explanation </a:t>
-            </a:r>
-            <a:endParaRPr lang="zh-TW" altLang="en-US" b="1" dirty="0"/>
-          </a:p>
-        </p:txBody>
-      </p:sp>
-      <p:sp>
-        <p:nvSpPr>
-          <p:cNvPr id="3" name="內容版面配置區 2"/>
-          <p:cNvSpPr>
-            <a:spLocks noGrp="1"/>
-          </p:cNvSpPr>
-          <p:nvPr>
-            <p:ph idx="1"/>
-          </p:nvPr>
-        </p:nvSpPr>
-        <p:spPr/>
-        <p:txBody>
-          <a:bodyPr>
-            <a:normAutofit/>
-          </a:bodyPr>
-          <a:lstStyle/>
-          <a:p>
-            <a:pPr marL="514350" indent="-514350">
-              <a:buFont typeface="+mj-lt"/>
-              <a:buAutoNum type="arabicPeriod"/>
-            </a:pPr>
-            <a:r>
-              <a:rPr lang="en-US" altLang="zh-TW" b="1" dirty="0" smtClean="0"/>
-              <a:t>[JavaRobot, Tool, RefPosRMatrix] = JavaRobotRead();</a:t>
-            </a:r>
-          </a:p>
-          <a:p>
-            <a:pPr lvl="1"/>
-            <a:r>
-              <a:rPr lang="en-US" altLang="zh-TW" dirty="0"/>
-              <a:t>JavaRobot is an object representing the Robot, which be used in every function below.</a:t>
-            </a:r>
-          </a:p>
-          <a:p>
-            <a:pPr lvl="1"/>
-            <a:r>
-              <a:rPr lang="en-US" altLang="zh-TW" dirty="0"/>
-              <a:t>Tool </a:t>
-            </a:r>
-            <a:r>
-              <a:rPr lang="en-US" altLang="zh-TW" dirty="0" smtClean="0"/>
-              <a:t>store the original position data</a:t>
-            </a:r>
-          </a:p>
-          <a:p>
-            <a:pPr lvl="1"/>
-            <a:r>
-              <a:rPr lang="en-US" altLang="zh-TW" dirty="0" smtClean="0"/>
-              <a:t>RefPosRMatrix </a:t>
-            </a:r>
-            <a:r>
-              <a:rPr lang="en-US" altLang="zh-TW" dirty="0" smtClean="0">
-                <a:sym typeface="Wingdings" panose="05000000000000000000" pitchFamily="2" charset="2"/>
-              </a:rPr>
-              <a:t> Reference Position Rotational Matrix</a:t>
-            </a:r>
-            <a:endParaRPr lang="en-US" altLang="zh-TW" dirty="0" smtClean="0"/>
-          </a:p>
-          <a:p>
-            <a:pPr marL="514350" indent="-514350">
-              <a:buFont typeface="+mj-lt"/>
-              <a:buAutoNum type="arabicPeriod"/>
-            </a:pPr>
-            <a:r>
-              <a:rPr lang="en-US" altLang="zh-TW" b="1" dirty="0" smtClean="0"/>
-              <a:t>mThread =  JavaRobotMove(Roll, Pitch, Yaw</a:t>
-            </a:r>
-            <a:r>
-              <a:rPr lang="en-US" altLang="zh-TW" b="1" dirty="0" smtClean="0"/>
-              <a:t>, </a:t>
-            </a:r>
-            <a:r>
-              <a:rPr lang="en-US" altLang="zh-TW" b="1" dirty="0" smtClean="0">
-                <a:solidFill>
-                  <a:srgbClr val="FF0000"/>
-                </a:solidFill>
-              </a:rPr>
-              <a:t>speed</a:t>
-            </a:r>
-            <a:r>
-              <a:rPr lang="en-US" altLang="zh-TW" b="1" dirty="0" smtClean="0"/>
-              <a:t>, </a:t>
-            </a:r>
-            <a:r>
-              <a:rPr lang="en-US" altLang="zh-TW" b="1" dirty="0" smtClean="0"/>
-              <a:t>JavaRobot, Tool, RefPosRMatrix)</a:t>
-            </a:r>
-          </a:p>
-          <a:p>
-            <a:pPr marL="800100" lvl="2" indent="-342900">
-              <a:spcBef>
-                <a:spcPts val="1000"/>
-              </a:spcBef>
-            </a:pPr>
-            <a:r>
-              <a:rPr lang="en-US" altLang="zh-TW" dirty="0" smtClean="0"/>
-              <a:t>mThread means the thread which will make sure the Robot’s moved to the target position</a:t>
-            </a:r>
-          </a:p>
-          <a:p>
-            <a:pPr marL="514350" indent="-514350">
-              <a:buFont typeface="+mj-lt"/>
-              <a:buAutoNum type="arabicPeriod"/>
-            </a:pPr>
-            <a:r>
-              <a:rPr lang="en-US" altLang="zh-TW" b="1" dirty="0" smtClean="0"/>
-              <a:t>flag = mThread.</a:t>
-            </a:r>
-            <a:r>
-              <a:rPr lang="en-US" altLang="zh-TW" b="1" dirty="0"/>
-              <a:t> </a:t>
-            </a:r>
-            <a:r>
-              <a:rPr lang="en-US" altLang="zh-TW" b="1" dirty="0" err="1" smtClean="0"/>
-              <a:t>isRobotMoveFinished</a:t>
-            </a:r>
-            <a:r>
-              <a:rPr lang="en-US" altLang="zh-TW" b="1" dirty="0" smtClean="0"/>
-              <a:t>()</a:t>
-            </a:r>
-          </a:p>
-          <a:p>
-            <a:pPr lvl="1"/>
-            <a:r>
-              <a:rPr lang="en-US" altLang="zh-TW" dirty="0"/>
-              <a:t> </a:t>
-            </a:r>
-            <a:r>
-              <a:rPr lang="en-US" altLang="zh-TW" dirty="0" smtClean="0"/>
-              <a:t>flag of Boolean 0 -&gt; false(Not yet)/ 1 -&gt; true(Done!)</a:t>
-            </a:r>
-            <a:endParaRPr lang="en-US" altLang="zh-TW" dirty="0"/>
-          </a:p>
-        </p:txBody>
-      </p:sp>
-    </p:spTree>
-    <p:extLst>
-      <p:ext uri="{BB962C8B-B14F-4D97-AF65-F5344CB8AC3E}">
-        <p14:creationId xmlns:p14="http://schemas.microsoft.com/office/powerpoint/2010/main" val="2018390748"/>
       </p:ext>
     </p:extLst>
   </p:cSld>

--- a/Matlab Setup.pptx
+++ b/Matlab Setup.pptx
@@ -14,7 +14,10 @@
     <p:sldId id="259" r:id="rId8"/>
     <p:sldId id="260" r:id="rId9"/>
     <p:sldId id="261" r:id="rId10"/>
-    <p:sldId id="262" r:id="rId11"/>
+    <p:sldId id="268" r:id="rId11"/>
+    <p:sldId id="262" r:id="rId12"/>
+    <p:sldId id="267" r:id="rId13"/>
+    <p:sldId id="266" r:id="rId14"/>
   </p:sldIdLst>
   <p:sldSz cx="12192000" cy="6858000"/>
   <p:notesSz cx="6858000" cy="9144000"/>
@@ -252,7 +255,7 @@
           <a:p>
             <a:fld id="{5C67E8D9-7C64-440D-89AE-E1A00C6EC129}" type="datetimeFigureOut">
               <a:rPr lang="zh-TW" altLang="en-US" smtClean="0"/>
-              <a:t>2018/8/29</a:t>
+              <a:t>2018/9/25</a:t>
             </a:fld>
             <a:endParaRPr lang="zh-TW" altLang="en-US"/>
           </a:p>
@@ -422,7 +425,7 @@
           <a:p>
             <a:fld id="{5C67E8D9-7C64-440D-89AE-E1A00C6EC129}" type="datetimeFigureOut">
               <a:rPr lang="zh-TW" altLang="en-US" smtClean="0"/>
-              <a:t>2018/8/29</a:t>
+              <a:t>2018/9/25</a:t>
             </a:fld>
             <a:endParaRPr lang="zh-TW" altLang="en-US"/>
           </a:p>
@@ -602,7 +605,7 @@
           <a:p>
             <a:fld id="{5C67E8D9-7C64-440D-89AE-E1A00C6EC129}" type="datetimeFigureOut">
               <a:rPr lang="zh-TW" altLang="en-US" smtClean="0"/>
-              <a:t>2018/8/29</a:t>
+              <a:t>2018/9/25</a:t>
             </a:fld>
             <a:endParaRPr lang="zh-TW" altLang="en-US"/>
           </a:p>
@@ -772,7 +775,7 @@
           <a:p>
             <a:fld id="{5C67E8D9-7C64-440D-89AE-E1A00C6EC129}" type="datetimeFigureOut">
               <a:rPr lang="zh-TW" altLang="en-US" smtClean="0"/>
-              <a:t>2018/8/29</a:t>
+              <a:t>2018/9/25</a:t>
             </a:fld>
             <a:endParaRPr lang="zh-TW" altLang="en-US"/>
           </a:p>
@@ -1018,7 +1021,7 @@
           <a:p>
             <a:fld id="{5C67E8D9-7C64-440D-89AE-E1A00C6EC129}" type="datetimeFigureOut">
               <a:rPr lang="zh-TW" altLang="en-US" smtClean="0"/>
-              <a:t>2018/8/29</a:t>
+              <a:t>2018/9/25</a:t>
             </a:fld>
             <a:endParaRPr lang="zh-TW" altLang="en-US"/>
           </a:p>
@@ -1250,7 +1253,7 @@
           <a:p>
             <a:fld id="{5C67E8D9-7C64-440D-89AE-E1A00C6EC129}" type="datetimeFigureOut">
               <a:rPr lang="zh-TW" altLang="en-US" smtClean="0"/>
-              <a:t>2018/8/29</a:t>
+              <a:t>2018/9/25</a:t>
             </a:fld>
             <a:endParaRPr lang="zh-TW" altLang="en-US"/>
           </a:p>
@@ -1617,7 +1620,7 @@
           <a:p>
             <a:fld id="{5C67E8D9-7C64-440D-89AE-E1A00C6EC129}" type="datetimeFigureOut">
               <a:rPr lang="zh-TW" altLang="en-US" smtClean="0"/>
-              <a:t>2018/8/29</a:t>
+              <a:t>2018/9/25</a:t>
             </a:fld>
             <a:endParaRPr lang="zh-TW" altLang="en-US"/>
           </a:p>
@@ -1735,7 +1738,7 @@
           <a:p>
             <a:fld id="{5C67E8D9-7C64-440D-89AE-E1A00C6EC129}" type="datetimeFigureOut">
               <a:rPr lang="zh-TW" altLang="en-US" smtClean="0"/>
-              <a:t>2018/8/29</a:t>
+              <a:t>2018/9/25</a:t>
             </a:fld>
             <a:endParaRPr lang="zh-TW" altLang="en-US"/>
           </a:p>
@@ -1830,7 +1833,7 @@
           <a:p>
             <a:fld id="{5C67E8D9-7C64-440D-89AE-E1A00C6EC129}" type="datetimeFigureOut">
               <a:rPr lang="zh-TW" altLang="en-US" smtClean="0"/>
-              <a:t>2018/8/29</a:t>
+              <a:t>2018/9/25</a:t>
             </a:fld>
             <a:endParaRPr lang="zh-TW" altLang="en-US"/>
           </a:p>
@@ -2107,7 +2110,7 @@
           <a:p>
             <a:fld id="{5C67E8D9-7C64-440D-89AE-E1A00C6EC129}" type="datetimeFigureOut">
               <a:rPr lang="zh-TW" altLang="en-US" smtClean="0"/>
-              <a:t>2018/8/29</a:t>
+              <a:t>2018/9/25</a:t>
             </a:fld>
             <a:endParaRPr lang="zh-TW" altLang="en-US"/>
           </a:p>
@@ -2360,7 +2363,7 @@
           <a:p>
             <a:fld id="{5C67E8D9-7C64-440D-89AE-E1A00C6EC129}" type="datetimeFigureOut">
               <a:rPr lang="zh-TW" altLang="en-US" smtClean="0"/>
-              <a:t>2018/8/29</a:t>
+              <a:t>2018/9/25</a:t>
             </a:fld>
             <a:endParaRPr lang="zh-TW" altLang="en-US"/>
           </a:p>
@@ -2573,7 +2576,7 @@
           <a:p>
             <a:fld id="{5C67E8D9-7C64-440D-89AE-E1A00C6EC129}" type="datetimeFigureOut">
               <a:rPr lang="zh-TW" altLang="en-US" smtClean="0"/>
-              <a:t>2018/8/29</a:t>
+              <a:t>2018/9/25</a:t>
             </a:fld>
             <a:endParaRPr lang="zh-TW" altLang="en-US"/>
           </a:p>
@@ -3028,20 +3031,11 @@
               <a:rPr lang="en-US" altLang="zh-TW" dirty="0" smtClean="0"/>
               <a:t>, 2018</a:t>
             </a:r>
-            <a:endParaRPr lang="en-US" altLang="zh-TW" dirty="0" smtClean="0"/>
           </a:p>
           <a:p>
             <a:r>
               <a:rPr lang="en-US" altLang="zh-TW" dirty="0" smtClean="0"/>
-              <a:t>Yu-W</a:t>
-            </a:r>
-            <a:r>
-              <a:rPr lang="en-US" altLang="zh-TW" dirty="0" smtClean="0"/>
-              <a:t>ei</a:t>
-            </a:r>
-            <a:r>
-              <a:rPr lang="en-US" altLang="zh-TW" dirty="0" smtClean="0"/>
-              <a:t> Chen</a:t>
+              <a:t>Yu-Wei Chen</a:t>
             </a:r>
           </a:p>
           <a:p>
@@ -3098,6 +3092,159 @@
       </p:grpSpPr>
       <p:sp>
         <p:nvSpPr>
+          <p:cNvPr id="2" name="Title 1"/>
+          <p:cNvSpPr>
+            <a:spLocks noGrp="1"/>
+          </p:cNvSpPr>
+          <p:nvPr>
+            <p:ph type="title"/>
+          </p:nvPr>
+        </p:nvSpPr>
+        <p:spPr/>
+        <p:txBody>
+          <a:bodyPr/>
+          <a:lstStyle/>
+          <a:p>
+            <a:r>
+              <a:rPr lang="en-US" dirty="0" err="1" smtClean="0"/>
+              <a:t>Matlab</a:t>
+            </a:r>
+            <a:r>
+              <a:rPr lang="en-US" dirty="0" smtClean="0"/>
+              <a:t> Static Class </a:t>
+            </a:r>
+            <a:r>
+              <a:rPr lang="en-US" dirty="0" err="1" smtClean="0"/>
+              <a:t>addpath</a:t>
+            </a:r>
+            <a:endParaRPr lang="en-US" dirty="0"/>
+          </a:p>
+        </p:txBody>
+      </p:sp>
+      <p:sp>
+        <p:nvSpPr>
+          <p:cNvPr id="3" name="Content Placeholder 2"/>
+          <p:cNvSpPr>
+            <a:spLocks noGrp="1"/>
+          </p:cNvSpPr>
+          <p:nvPr>
+            <p:ph idx="1"/>
+          </p:nvPr>
+        </p:nvSpPr>
+        <p:spPr/>
+        <p:txBody>
+          <a:bodyPr/>
+          <a:lstStyle/>
+          <a:p>
+            <a:r>
+              <a:rPr lang="en-US" dirty="0" smtClean="0"/>
+              <a:t>Go to </a:t>
+            </a:r>
+            <a:r>
+              <a:rPr lang="en-US" dirty="0" err="1" smtClean="0"/>
+              <a:t>Matlab</a:t>
+            </a:r>
+            <a:r>
+              <a:rPr lang="en-US" dirty="0" smtClean="0"/>
+              <a:t> install folder (C:/ or D</a:t>
+            </a:r>
+            <a:r>
+              <a:rPr lang="en-US" altLang="zh-TW" dirty="0" smtClean="0"/>
+              <a:t>:/</a:t>
+            </a:r>
+            <a:r>
+              <a:rPr lang="en-US" dirty="0" smtClean="0"/>
+              <a:t>)</a:t>
+            </a:r>
+          </a:p>
+          <a:p>
+            <a:pPr lvl="1"/>
+            <a:r>
+              <a:rPr lang="en-US" dirty="0" smtClean="0"/>
+              <a:t>Close the running </a:t>
+            </a:r>
+            <a:r>
+              <a:rPr lang="en-US" dirty="0" err="1" smtClean="0"/>
+              <a:t>Matlab</a:t>
+            </a:r>
+            <a:endParaRPr lang="en-US" dirty="0" smtClean="0"/>
+          </a:p>
+          <a:p>
+            <a:pPr lvl="1"/>
+            <a:r>
+              <a:rPr lang="en-US" dirty="0" smtClean="0"/>
+              <a:t>In &lt;</a:t>
+            </a:r>
+            <a:r>
+              <a:rPr lang="en-US" dirty="0" err="1" smtClean="0"/>
+              <a:t>Matlab</a:t>
+            </a:r>
+            <a:r>
+              <a:rPr lang="en-US" dirty="0" smtClean="0"/>
+              <a:t>&gt;/tool/local/XXXXX.txt (some </a:t>
+            </a:r>
+            <a:r>
+              <a:rPr lang="en-US" dirty="0" err="1" smtClean="0"/>
+              <a:t>config</a:t>
+            </a:r>
+            <a:r>
+              <a:rPr lang="en-US" dirty="0" smtClean="0"/>
+              <a:t> file)</a:t>
+            </a:r>
+          </a:p>
+          <a:p>
+            <a:pPr lvl="1"/>
+            <a:r>
+              <a:rPr lang="en-US" dirty="0" smtClean="0"/>
+              <a:t>Add the path to jar file with additional newline appends after</a:t>
+            </a:r>
+          </a:p>
+          <a:p>
+            <a:pPr lvl="1"/>
+            <a:r>
+              <a:rPr lang="en-US" dirty="0" smtClean="0"/>
+              <a:t>Restart </a:t>
+            </a:r>
+            <a:r>
+              <a:rPr lang="en-US" dirty="0" err="1" smtClean="0"/>
+              <a:t>Matlab</a:t>
+            </a:r>
+            <a:endParaRPr lang="en-US" dirty="0"/>
+          </a:p>
+        </p:txBody>
+      </p:sp>
+    </p:spTree>
+    <p:extLst>
+      <p:ext uri="{BB962C8B-B14F-4D97-AF65-F5344CB8AC3E}">
+        <p14:creationId xmlns:p14="http://schemas.microsoft.com/office/powerpoint/2010/main" val="1702688018"/>
+      </p:ext>
+    </p:extLst>
+  </p:cSld>
+  <p:clrMapOvr>
+    <a:masterClrMapping/>
+  </p:clrMapOvr>
+</p:sld>
+</file>
+
+<file path=ppt/slides/slide11.xml><?xml version="1.0" encoding="utf-8"?>
+<p:sld xmlns:a="http://schemas.openxmlformats.org/drawingml/2006/main" xmlns:r="http://schemas.openxmlformats.org/officeDocument/2006/relationships" xmlns:p="http://schemas.openxmlformats.org/presentationml/2006/main">
+  <p:cSld>
+    <p:spTree>
+      <p:nvGrpSpPr>
+        <p:cNvPr id="1" name=""/>
+        <p:cNvGrpSpPr/>
+        <p:nvPr/>
+      </p:nvGrpSpPr>
+      <p:grpSpPr>
+        <a:xfrm>
+          <a:off x="0" y="0"/>
+          <a:ext cx="0" cy="0"/>
+          <a:chOff x="0" y="0"/>
+          <a:chExt cx="0" cy="0"/>
+        </a:xfrm>
+      </p:grpSpPr>
+      <p:sp>
+        <p:nvSpPr>
           <p:cNvPr id="2" name="標題 1"/>
           <p:cNvSpPr>
             <a:spLocks noGrp="1"/>
@@ -3254,6 +3401,381 @@
 </p:sld>
 </file>
 
+<file path=ppt/slides/slide12.xml><?xml version="1.0" encoding="utf-8"?>
+<p:sld xmlns:a="http://schemas.openxmlformats.org/drawingml/2006/main" xmlns:r="http://schemas.openxmlformats.org/officeDocument/2006/relationships" xmlns:p="http://schemas.openxmlformats.org/presentationml/2006/main">
+  <p:cSld>
+    <p:spTree>
+      <p:nvGrpSpPr>
+        <p:cNvPr id="1" name=""/>
+        <p:cNvGrpSpPr/>
+        <p:nvPr/>
+      </p:nvGrpSpPr>
+      <p:grpSpPr>
+        <a:xfrm>
+          <a:off x="0" y="0"/>
+          <a:ext cx="0" cy="0"/>
+          <a:chOff x="0" y="0"/>
+          <a:chExt cx="0" cy="0"/>
+        </a:xfrm>
+      </p:grpSpPr>
+      <p:sp>
+        <p:nvSpPr>
+          <p:cNvPr id="2" name="Title 1"/>
+          <p:cNvSpPr>
+            <a:spLocks noGrp="1"/>
+          </p:cNvSpPr>
+          <p:nvPr>
+            <p:ph type="title"/>
+          </p:nvPr>
+        </p:nvSpPr>
+        <p:spPr/>
+        <p:txBody>
+          <a:bodyPr/>
+          <a:lstStyle/>
+          <a:p>
+            <a:r>
+              <a:rPr lang="en-US" dirty="0" smtClean="0"/>
+              <a:t>Ethernet IP configuration for DX200</a:t>
+            </a:r>
+            <a:endParaRPr lang="en-US" dirty="0"/>
+          </a:p>
+        </p:txBody>
+      </p:sp>
+      <p:sp>
+        <p:nvSpPr>
+          <p:cNvPr id="3" name="Content Placeholder 2"/>
+          <p:cNvSpPr>
+            <a:spLocks noGrp="1"/>
+          </p:cNvSpPr>
+          <p:nvPr>
+            <p:ph idx="1"/>
+          </p:nvPr>
+        </p:nvSpPr>
+        <p:spPr/>
+        <p:txBody>
+          <a:bodyPr/>
+          <a:lstStyle/>
+          <a:p>
+            <a:pPr marL="0" indent="0">
+              <a:buNone/>
+            </a:pPr>
+            <a:r>
+              <a:rPr lang="en-US" dirty="0"/>
+              <a:t>1) </a:t>
+            </a:r>
+            <a:r>
+              <a:rPr lang="en-US" dirty="0" smtClean="0"/>
+              <a:t>Turn </a:t>
+            </a:r>
+            <a:r>
+              <a:rPr lang="en-US" dirty="0"/>
+              <a:t>on controller </a:t>
+            </a:r>
+            <a:r>
+              <a:rPr lang="en-US" dirty="0" smtClean="0"/>
+              <a:t>while holding </a:t>
+            </a:r>
+            <a:r>
+              <a:rPr lang="en-US" dirty="0"/>
+              <a:t>the main </a:t>
+            </a:r>
+            <a:r>
+              <a:rPr lang="en-US" dirty="0" smtClean="0"/>
+              <a:t>menu</a:t>
+            </a:r>
+            <a:r>
+              <a:rPr lang="zh-TW" altLang="en-US" dirty="0" smtClean="0"/>
+              <a:t> </a:t>
+            </a:r>
+            <a:r>
+              <a:rPr lang="en-US" altLang="zh-TW" dirty="0" smtClean="0"/>
+              <a:t>(</a:t>
+            </a:r>
+            <a:r>
+              <a:rPr lang="zh-TW" altLang="en-US" dirty="0" smtClean="0"/>
+              <a:t>主選單</a:t>
+            </a:r>
+            <a:r>
+              <a:rPr lang="en-US" altLang="zh-TW" dirty="0" smtClean="0"/>
+              <a:t>)</a:t>
+            </a:r>
+            <a:r>
+              <a:rPr lang="en-US" dirty="0" smtClean="0"/>
+              <a:t> </a:t>
+            </a:r>
+            <a:r>
+              <a:rPr lang="en-US" dirty="0"/>
+              <a:t>key</a:t>
+            </a:r>
+          </a:p>
+          <a:p>
+            <a:pPr marL="0" indent="0">
+              <a:buNone/>
+            </a:pPr>
+            <a:r>
+              <a:rPr lang="en-US" dirty="0"/>
+              <a:t>2) </a:t>
+            </a:r>
+            <a:r>
+              <a:rPr lang="en-US" altLang="zh-TW" dirty="0" smtClean="0"/>
+              <a:t>Go to </a:t>
+            </a:r>
+            <a:r>
+              <a:rPr lang="en-US" dirty="0" smtClean="0"/>
+              <a:t>System -&gt; security </a:t>
+            </a:r>
+            <a:r>
+              <a:rPr lang="en-US" dirty="0"/>
+              <a:t>and enter 99999999 or 00000000 </a:t>
+            </a:r>
+            <a:r>
+              <a:rPr lang="en-US" dirty="0" smtClean="0"/>
+              <a:t>to </a:t>
+            </a:r>
+            <a:r>
+              <a:rPr lang="en-US" dirty="0"/>
+              <a:t>go to </a:t>
+            </a:r>
+            <a:r>
+              <a:rPr lang="en-US" b="1" dirty="0"/>
+              <a:t>Maintenance mode</a:t>
+            </a:r>
+          </a:p>
+          <a:p>
+            <a:pPr marL="0" indent="0">
+              <a:buNone/>
+            </a:pPr>
+            <a:r>
+              <a:rPr lang="en-US" dirty="0"/>
+              <a:t>3) </a:t>
+            </a:r>
+            <a:r>
+              <a:rPr lang="en-US" dirty="0" smtClean="0"/>
+              <a:t>Go to Setup -&gt; </a:t>
+            </a:r>
+            <a:r>
+              <a:rPr lang="en-US" dirty="0"/>
+              <a:t>option function </a:t>
+            </a:r>
+            <a:r>
+              <a:rPr lang="en-US" dirty="0" smtClean="0"/>
+              <a:t>-&gt; </a:t>
+            </a:r>
+            <a:r>
+              <a:rPr lang="en-US" dirty="0"/>
+              <a:t>select </a:t>
+            </a:r>
+            <a:r>
+              <a:rPr lang="en-US" dirty="0" smtClean="0"/>
+              <a:t>network</a:t>
+            </a:r>
+          </a:p>
+          <a:p>
+            <a:pPr marL="0" indent="0">
+              <a:buNone/>
+            </a:pPr>
+            <a:r>
+              <a:rPr lang="en-US" dirty="0" smtClean="0"/>
+              <a:t>4</a:t>
+            </a:r>
+            <a:r>
+              <a:rPr lang="en-US" dirty="0"/>
+              <a:t>) </a:t>
+            </a:r>
+            <a:r>
+              <a:rPr lang="en-US" dirty="0" smtClean="0"/>
+              <a:t>Setting the network</a:t>
+            </a:r>
+            <a:endParaRPr lang="en-US" dirty="0"/>
+          </a:p>
+          <a:p>
+            <a:pPr marL="0" indent="0">
+              <a:buNone/>
+            </a:pPr>
+            <a:r>
+              <a:rPr lang="en-US" dirty="0" smtClean="0"/>
+              <a:t>5) Press Enter (</a:t>
+            </a:r>
+            <a:r>
+              <a:rPr lang="zh-TW" altLang="en-US" dirty="0" smtClean="0"/>
+              <a:t>輸入</a:t>
+            </a:r>
+            <a:r>
+              <a:rPr lang="en-US" dirty="0" smtClean="0"/>
+              <a:t>), </a:t>
+            </a:r>
+            <a:r>
+              <a:rPr lang="en-US" dirty="0"/>
+              <a:t>then the controller is going to ask to modify, it might ask you few time</a:t>
+            </a:r>
+          </a:p>
+          <a:p>
+            <a:pPr marL="0" indent="0">
+              <a:buNone/>
+            </a:pPr>
+            <a:r>
+              <a:rPr lang="en-US" dirty="0"/>
+              <a:t>6) </a:t>
+            </a:r>
+            <a:r>
+              <a:rPr lang="en-US" altLang="zh-TW" dirty="0" smtClean="0"/>
+              <a:t>R</a:t>
+            </a:r>
+            <a:r>
+              <a:rPr lang="en-US" dirty="0" smtClean="0"/>
+              <a:t>eboot</a:t>
+            </a:r>
+          </a:p>
+          <a:p>
+            <a:pPr marL="0" indent="0">
+              <a:buNone/>
+            </a:pPr>
+            <a:r>
+              <a:rPr lang="en-US" dirty="0" smtClean="0"/>
+              <a:t>7) Done</a:t>
+            </a:r>
+            <a:endParaRPr lang="en-US" dirty="0"/>
+          </a:p>
+        </p:txBody>
+      </p:sp>
+    </p:spTree>
+    <p:extLst>
+      <p:ext uri="{BB962C8B-B14F-4D97-AF65-F5344CB8AC3E}">
+        <p14:creationId xmlns:p14="http://schemas.microsoft.com/office/powerpoint/2010/main" val="2546510775"/>
+      </p:ext>
+    </p:extLst>
+  </p:cSld>
+  <p:clrMapOvr>
+    <a:masterClrMapping/>
+  </p:clrMapOvr>
+</p:sld>
+</file>
+
+<file path=ppt/slides/slide13.xml><?xml version="1.0" encoding="utf-8"?>
+<p:sld xmlns:a="http://schemas.openxmlformats.org/drawingml/2006/main" xmlns:r="http://schemas.openxmlformats.org/officeDocument/2006/relationships" xmlns:p="http://schemas.openxmlformats.org/presentationml/2006/main">
+  <p:cSld>
+    <p:spTree>
+      <p:nvGrpSpPr>
+        <p:cNvPr id="1" name=""/>
+        <p:cNvGrpSpPr/>
+        <p:nvPr/>
+      </p:nvGrpSpPr>
+      <p:grpSpPr>
+        <a:xfrm>
+          <a:off x="0" y="0"/>
+          <a:ext cx="0" cy="0"/>
+          <a:chOff x="0" y="0"/>
+          <a:chExt cx="0" cy="0"/>
+        </a:xfrm>
+      </p:grpSpPr>
+      <p:sp>
+        <p:nvSpPr>
+          <p:cNvPr id="2" name="Title 1"/>
+          <p:cNvSpPr>
+            <a:spLocks noGrp="1"/>
+          </p:cNvSpPr>
+          <p:nvPr>
+            <p:ph type="title"/>
+          </p:nvPr>
+        </p:nvSpPr>
+        <p:spPr/>
+        <p:txBody>
+          <a:bodyPr/>
+          <a:lstStyle/>
+          <a:p>
+            <a:r>
+              <a:rPr lang="en-US" dirty="0" smtClean="0"/>
+              <a:t>5 point calibration</a:t>
+            </a:r>
+            <a:endParaRPr lang="en-US" dirty="0"/>
+          </a:p>
+        </p:txBody>
+      </p:sp>
+      <p:sp>
+        <p:nvSpPr>
+          <p:cNvPr id="3" name="Content Placeholder 2"/>
+          <p:cNvSpPr>
+            <a:spLocks noGrp="1"/>
+          </p:cNvSpPr>
+          <p:nvPr>
+            <p:ph idx="1"/>
+          </p:nvPr>
+        </p:nvSpPr>
+        <p:spPr/>
+        <p:txBody>
+          <a:bodyPr/>
+          <a:lstStyle/>
+          <a:p>
+            <a:r>
+              <a:rPr lang="en-US" dirty="0" smtClean="0"/>
+              <a:t>We use the 5-point (or more) calibration to set the tool offset from the center TCP.</a:t>
+            </a:r>
+          </a:p>
+          <a:p>
+            <a:r>
+              <a:rPr lang="en-US" dirty="0" smtClean="0"/>
+              <a:t>Procedure: Main </a:t>
+            </a:r>
+            <a:r>
+              <a:rPr lang="en-US" dirty="0"/>
+              <a:t>Menu </a:t>
+            </a:r>
+            <a:r>
+              <a:rPr lang="en-US" dirty="0" smtClean="0"/>
+              <a:t>-&gt; </a:t>
+            </a:r>
+            <a:r>
+              <a:rPr lang="en-US" dirty="0"/>
+              <a:t>Robot </a:t>
+            </a:r>
+            <a:r>
+              <a:rPr lang="en-US" dirty="0" smtClean="0"/>
+              <a:t>-&gt; </a:t>
+            </a:r>
+            <a:r>
+              <a:rPr lang="en-US" dirty="0"/>
+              <a:t>Tool </a:t>
+            </a:r>
+            <a:r>
+              <a:rPr lang="en-US" dirty="0" smtClean="0"/>
+              <a:t>-&gt; </a:t>
+            </a:r>
+            <a:r>
+              <a:rPr lang="en-US" dirty="0"/>
+              <a:t>Select the tool to create TCP </a:t>
+            </a:r>
+            <a:r>
+              <a:rPr lang="en-US" dirty="0" smtClean="0"/>
+              <a:t>-&gt; </a:t>
+            </a:r>
+            <a:r>
+              <a:rPr lang="en-US" dirty="0"/>
+              <a:t>Utility </a:t>
+            </a:r>
+            <a:r>
+              <a:rPr lang="en-US" dirty="0" smtClean="0"/>
+              <a:t>-&gt; </a:t>
+            </a:r>
+            <a:r>
+              <a:rPr lang="en-US" dirty="0"/>
+              <a:t>Calibration</a:t>
+            </a:r>
+          </a:p>
+        </p:txBody>
+      </p:sp>
+    </p:spTree>
+    <p:extLst>
+      <p:ext uri="{BB962C8B-B14F-4D97-AF65-F5344CB8AC3E}">
+        <p14:creationId xmlns:p14="http://schemas.microsoft.com/office/powerpoint/2010/main" val="3118865212"/>
+      </p:ext>
+    </p:extLst>
+  </p:cSld>
+  <p:clrMapOvr>
+    <a:masterClrMapping/>
+  </p:clrMapOvr>
+</p:sld>
+</file>
+
 <file path=ppt/slides/slide2.xml><?xml version="1.0" encoding="utf-8"?>
 <p:sld xmlns:a="http://schemas.openxmlformats.org/drawingml/2006/main" xmlns:r="http://schemas.openxmlformats.org/officeDocument/2006/relationships" xmlns:p="http://schemas.openxmlformats.org/presentationml/2006/main">
   <p:cSld>
@@ -3321,11 +3843,7 @@
             </a:r>
             <a:r>
               <a:rPr lang="en-US" altLang="zh-TW" dirty="0" smtClean="0"/>
-              <a:t> </a:t>
-            </a:r>
-            <a:r>
-              <a:rPr lang="en-US" altLang="zh-TW" dirty="0" smtClean="0"/>
-              <a:t>Environment setting </a:t>
+              <a:t> Environment setting </a:t>
             </a:r>
           </a:p>
           <a:p>
@@ -3335,11 +3853,7 @@
             </a:r>
             <a:r>
               <a:rPr lang="en-US" altLang="zh-TW" dirty="0" smtClean="0"/>
-              <a:t> </a:t>
-            </a:r>
-            <a:r>
-              <a:rPr lang="en-US" altLang="zh-TW" dirty="0" smtClean="0"/>
-              <a:t>API</a:t>
+              <a:t> API</a:t>
             </a:r>
             <a:r>
               <a:rPr lang="zh-TW" altLang="en-US" dirty="0" smtClean="0"/>
@@ -3349,7 +3863,6 @@
               <a:rPr lang="en-US" altLang="zh-TW" dirty="0" smtClean="0"/>
               <a:t>Explanation </a:t>
             </a:r>
-            <a:endParaRPr lang="en-US" altLang="zh-TW" dirty="0" smtClean="0"/>
           </a:p>
         </p:txBody>
       </p:sp>
